--- a/3/s3_Accessing_data_programmatically.pptx
+++ b/3/s3_Accessing_data_programmatically.pptx
@@ -264,7 +264,7 @@
           <a:p>
             <a:fld id="{A9A5DA3C-BDF6-44EF-83ED-A29CA680A5AA}" type="datetimeFigureOut">
               <a:rPr lang="en-GB" smtClean="0"/>
-              <a:t>21/02/2024</a:t>
+              <a:t>12/03/2024</a:t>
             </a:fld>
             <a:endParaRPr lang="en-GB"/>
           </a:p>
@@ -2436,7 +2436,7 @@
           <a:p>
             <a:fld id="{1041D2DD-F029-4FB0-BB12-3B6037A6356B}" type="datetimeFigureOut">
               <a:rPr lang="en-GB" smtClean="0"/>
-              <a:t>21/02/2024</a:t>
+              <a:t>12/03/2024</a:t>
             </a:fld>
             <a:endParaRPr lang="en-GB"/>
           </a:p>
@@ -2636,7 +2636,7 @@
           <a:p>
             <a:fld id="{1041D2DD-F029-4FB0-BB12-3B6037A6356B}" type="datetimeFigureOut">
               <a:rPr lang="en-GB" smtClean="0"/>
-              <a:t>21/02/2024</a:t>
+              <a:t>12/03/2024</a:t>
             </a:fld>
             <a:endParaRPr lang="en-GB"/>
           </a:p>
@@ -2846,7 +2846,7 @@
           <a:p>
             <a:fld id="{1041D2DD-F029-4FB0-BB12-3B6037A6356B}" type="datetimeFigureOut">
               <a:rPr lang="en-GB" smtClean="0"/>
-              <a:t>21/02/2024</a:t>
+              <a:t>12/03/2024</a:t>
             </a:fld>
             <a:endParaRPr lang="en-GB"/>
           </a:p>
@@ -3050,7 +3050,7 @@
           <a:p>
             <a:fld id="{2E2C077B-C732-49E5-B20E-05DE29246531}" type="datetimeFigureOut">
               <a:rPr lang="en-GB" smtClean="0"/>
-              <a:t>21/02/2024</a:t>
+              <a:t>12/03/2024</a:t>
             </a:fld>
             <a:endParaRPr lang="en-GB"/>
           </a:p>
@@ -3220,7 +3220,7 @@
           <a:p>
             <a:fld id="{2E2C077B-C732-49E5-B20E-05DE29246531}" type="datetimeFigureOut">
               <a:rPr lang="en-GB" smtClean="0"/>
-              <a:t>21/02/2024</a:t>
+              <a:t>12/03/2024</a:t>
             </a:fld>
             <a:endParaRPr lang="en-GB"/>
           </a:p>
@@ -3466,7 +3466,7 @@
           <a:p>
             <a:fld id="{2E2C077B-C732-49E5-B20E-05DE29246531}" type="datetimeFigureOut">
               <a:rPr lang="en-GB" smtClean="0"/>
-              <a:t>21/02/2024</a:t>
+              <a:t>12/03/2024</a:t>
             </a:fld>
             <a:endParaRPr lang="en-GB"/>
           </a:p>
@@ -3698,7 +3698,7 @@
           <a:p>
             <a:fld id="{2E2C077B-C732-49E5-B20E-05DE29246531}" type="datetimeFigureOut">
               <a:rPr lang="en-GB" smtClean="0"/>
-              <a:t>21/02/2024</a:t>
+              <a:t>12/03/2024</a:t>
             </a:fld>
             <a:endParaRPr lang="en-GB"/>
           </a:p>
@@ -4065,7 +4065,7 @@
           <a:p>
             <a:fld id="{2E2C077B-C732-49E5-B20E-05DE29246531}" type="datetimeFigureOut">
               <a:rPr lang="en-GB" smtClean="0"/>
-              <a:t>21/02/2024</a:t>
+              <a:t>12/03/2024</a:t>
             </a:fld>
             <a:endParaRPr lang="en-GB"/>
           </a:p>
@@ -4183,7 +4183,7 @@
           <a:p>
             <a:fld id="{2E2C077B-C732-49E5-B20E-05DE29246531}" type="datetimeFigureOut">
               <a:rPr lang="en-GB" smtClean="0"/>
-              <a:t>21/02/2024</a:t>
+              <a:t>12/03/2024</a:t>
             </a:fld>
             <a:endParaRPr lang="en-GB"/>
           </a:p>
@@ -4278,7 +4278,7 @@
           <a:p>
             <a:fld id="{2E2C077B-C732-49E5-B20E-05DE29246531}" type="datetimeFigureOut">
               <a:rPr lang="en-GB" smtClean="0"/>
-              <a:t>21/02/2024</a:t>
+              <a:t>12/03/2024</a:t>
             </a:fld>
             <a:endParaRPr lang="en-GB"/>
           </a:p>
@@ -4555,7 +4555,7 @@
           <a:p>
             <a:fld id="{2E2C077B-C732-49E5-B20E-05DE29246531}" type="datetimeFigureOut">
               <a:rPr lang="en-GB" smtClean="0"/>
-              <a:t>21/02/2024</a:t>
+              <a:t>12/03/2024</a:t>
             </a:fld>
             <a:endParaRPr lang="en-GB"/>
           </a:p>
@@ -4743,7 +4743,7 @@
           <a:p>
             <a:fld id="{1041D2DD-F029-4FB0-BB12-3B6037A6356B}" type="datetimeFigureOut">
               <a:rPr lang="en-GB" smtClean="0"/>
-              <a:t>21/02/2024</a:t>
+              <a:t>12/03/2024</a:t>
             </a:fld>
             <a:endParaRPr lang="en-GB"/>
           </a:p>
@@ -5008,7 +5008,7 @@
           <a:p>
             <a:fld id="{2E2C077B-C732-49E5-B20E-05DE29246531}" type="datetimeFigureOut">
               <a:rPr lang="en-GB" smtClean="0"/>
-              <a:t>21/02/2024</a:t>
+              <a:t>12/03/2024</a:t>
             </a:fld>
             <a:endParaRPr lang="en-GB"/>
           </a:p>
@@ -5178,7 +5178,7 @@
           <a:p>
             <a:fld id="{2E2C077B-C732-49E5-B20E-05DE29246531}" type="datetimeFigureOut">
               <a:rPr lang="en-GB" smtClean="0"/>
-              <a:t>21/02/2024</a:t>
+              <a:t>12/03/2024</a:t>
             </a:fld>
             <a:endParaRPr lang="en-GB"/>
           </a:p>
@@ -5358,7 +5358,7 @@
           <a:p>
             <a:fld id="{2E2C077B-C732-49E5-B20E-05DE29246531}" type="datetimeFigureOut">
               <a:rPr lang="en-GB" smtClean="0"/>
-              <a:t>21/02/2024</a:t>
+              <a:t>12/03/2024</a:t>
             </a:fld>
             <a:endParaRPr lang="en-GB"/>
           </a:p>
@@ -5601,7 +5601,7 @@
             <a:fld id="{4E7804AF-371E-45A8-85BB-86F3B0F6B3A3}" type="datetimeFigureOut">
               <a:rPr lang="en-GB" smtClean="0"/>
               <a:pPr/>
-              <a:t>21/02/2024</a:t>
+              <a:t>12/03/2024</a:t>
             </a:fld>
             <a:endParaRPr lang="en-GB" dirty="0"/>
           </a:p>
@@ -5773,7 +5773,7 @@
             <a:fld id="{4E7804AF-371E-45A8-85BB-86F3B0F6B3A3}" type="datetimeFigureOut">
               <a:rPr lang="en-GB" smtClean="0"/>
               <a:pPr/>
-              <a:t>21/02/2024</a:t>
+              <a:t>12/03/2024</a:t>
             </a:fld>
             <a:endParaRPr lang="en-GB" dirty="0"/>
           </a:p>
@@ -6021,7 +6021,7 @@
             <a:fld id="{4E7804AF-371E-45A8-85BB-86F3B0F6B3A3}" type="datetimeFigureOut">
               <a:rPr lang="en-GB" smtClean="0"/>
               <a:pPr/>
-              <a:t>21/02/2024</a:t>
+              <a:t>12/03/2024</a:t>
             </a:fld>
             <a:endParaRPr lang="en-GB" dirty="0"/>
           </a:p>
@@ -6311,7 +6311,7 @@
             <a:fld id="{4E7804AF-371E-45A8-85BB-86F3B0F6B3A3}" type="datetimeFigureOut">
               <a:rPr lang="en-GB" smtClean="0"/>
               <a:pPr/>
-              <a:t>21/02/2024</a:t>
+              <a:t>12/03/2024</a:t>
             </a:fld>
             <a:endParaRPr lang="en-GB" dirty="0"/>
           </a:p>
@@ -6735,7 +6735,7 @@
             <a:fld id="{4E7804AF-371E-45A8-85BB-86F3B0F6B3A3}" type="datetimeFigureOut">
               <a:rPr lang="en-GB" smtClean="0"/>
               <a:pPr/>
-              <a:t>21/02/2024</a:t>
+              <a:t>12/03/2024</a:t>
             </a:fld>
             <a:endParaRPr lang="en-GB" dirty="0"/>
           </a:p>
@@ -6855,7 +6855,7 @@
             <a:fld id="{4E7804AF-371E-45A8-85BB-86F3B0F6B3A3}" type="datetimeFigureOut">
               <a:rPr lang="en-GB" smtClean="0"/>
               <a:pPr/>
-              <a:t>21/02/2024</a:t>
+              <a:t>12/03/2024</a:t>
             </a:fld>
             <a:endParaRPr lang="en-GB" dirty="0"/>
           </a:p>
@@ -6952,7 +6952,7 @@
             <a:fld id="{4E7804AF-371E-45A8-85BB-86F3B0F6B3A3}" type="datetimeFigureOut">
               <a:rPr lang="en-GB" smtClean="0"/>
               <a:pPr/>
-              <a:t>21/02/2024</a:t>
+              <a:t>12/03/2024</a:t>
             </a:fld>
             <a:endParaRPr lang="en-GB" dirty="0"/>
           </a:p>
@@ -7217,7 +7217,7 @@
           <a:p>
             <a:fld id="{1041D2DD-F029-4FB0-BB12-3B6037A6356B}" type="datetimeFigureOut">
               <a:rPr lang="en-GB" smtClean="0"/>
-              <a:t>21/02/2024</a:t>
+              <a:t>12/03/2024</a:t>
             </a:fld>
             <a:endParaRPr lang="en-GB"/>
           </a:p>
@@ -7507,7 +7507,7 @@
             <a:fld id="{4E7804AF-371E-45A8-85BB-86F3B0F6B3A3}" type="datetimeFigureOut">
               <a:rPr lang="en-GB" smtClean="0"/>
               <a:pPr/>
-              <a:t>21/02/2024</a:t>
+              <a:t>12/03/2024</a:t>
             </a:fld>
             <a:endParaRPr lang="en-GB" dirty="0"/>
           </a:p>
@@ -7762,7 +7762,7 @@
             <a:fld id="{4E7804AF-371E-45A8-85BB-86F3B0F6B3A3}" type="datetimeFigureOut">
               <a:rPr lang="en-GB" smtClean="0"/>
               <a:pPr/>
-              <a:t>21/02/2024</a:t>
+              <a:t>12/03/2024</a:t>
             </a:fld>
             <a:endParaRPr lang="en-GB" dirty="0"/>
           </a:p>
@@ -7934,7 +7934,7 @@
             <a:fld id="{4E7804AF-371E-45A8-85BB-86F3B0F6B3A3}" type="datetimeFigureOut">
               <a:rPr lang="en-GB" smtClean="0"/>
               <a:pPr/>
-              <a:t>21/02/2024</a:t>
+              <a:t>12/03/2024</a:t>
             </a:fld>
             <a:endParaRPr lang="en-GB" dirty="0"/>
           </a:p>
@@ -8116,7 +8116,7 @@
             <a:fld id="{4E7804AF-371E-45A8-85BB-86F3B0F6B3A3}" type="datetimeFigureOut">
               <a:rPr lang="en-GB" smtClean="0"/>
               <a:pPr/>
-              <a:t>21/02/2024</a:t>
+              <a:t>12/03/2024</a:t>
             </a:fld>
             <a:endParaRPr lang="en-GB" dirty="0"/>
           </a:p>
@@ -8373,7 +8373,7 @@
           <a:p>
             <a:fld id="{1041D2DD-F029-4FB0-BB12-3B6037A6356B}" type="datetimeFigureOut">
               <a:rPr lang="en-GB" smtClean="0"/>
-              <a:t>21/02/2024</a:t>
+              <a:t>12/03/2024</a:t>
             </a:fld>
             <a:endParaRPr lang="en-GB"/>
           </a:p>
@@ -8788,7 +8788,7 @@
           <a:p>
             <a:fld id="{1041D2DD-F029-4FB0-BB12-3B6037A6356B}" type="datetimeFigureOut">
               <a:rPr lang="en-GB" smtClean="0"/>
-              <a:t>21/02/2024</a:t>
+              <a:t>12/03/2024</a:t>
             </a:fld>
             <a:endParaRPr lang="en-GB"/>
           </a:p>
@@ -8930,7 +8930,7 @@
           <a:p>
             <a:fld id="{1041D2DD-F029-4FB0-BB12-3B6037A6356B}" type="datetimeFigureOut">
               <a:rPr lang="en-GB" smtClean="0"/>
-              <a:t>21/02/2024</a:t>
+              <a:t>12/03/2024</a:t>
             </a:fld>
             <a:endParaRPr lang="en-GB"/>
           </a:p>
@@ -9043,7 +9043,7 @@
           <a:p>
             <a:fld id="{1041D2DD-F029-4FB0-BB12-3B6037A6356B}" type="datetimeFigureOut">
               <a:rPr lang="en-GB" smtClean="0"/>
-              <a:t>21/02/2024</a:t>
+              <a:t>12/03/2024</a:t>
             </a:fld>
             <a:endParaRPr lang="en-GB"/>
           </a:p>
@@ -9356,7 +9356,7 @@
           <a:p>
             <a:fld id="{1041D2DD-F029-4FB0-BB12-3B6037A6356B}" type="datetimeFigureOut">
               <a:rPr lang="en-GB" smtClean="0"/>
-              <a:t>21/02/2024</a:t>
+              <a:t>12/03/2024</a:t>
             </a:fld>
             <a:endParaRPr lang="en-GB"/>
           </a:p>
@@ -9645,7 +9645,7 @@
           <a:p>
             <a:fld id="{1041D2DD-F029-4FB0-BB12-3B6037A6356B}" type="datetimeFigureOut">
               <a:rPr lang="en-GB" smtClean="0"/>
-              <a:t>21/02/2024</a:t>
+              <a:t>12/03/2024</a:t>
             </a:fld>
             <a:endParaRPr lang="en-GB"/>
           </a:p>
@@ -9888,7 +9888,7 @@
           <a:p>
             <a:fld id="{1041D2DD-F029-4FB0-BB12-3B6037A6356B}" type="datetimeFigureOut">
               <a:rPr lang="en-GB" smtClean="0"/>
-              <a:t>21/02/2024</a:t>
+              <a:t>12/03/2024</a:t>
             </a:fld>
             <a:endParaRPr lang="en-GB"/>
           </a:p>
@@ -10443,7 +10443,7 @@
           <a:p>
             <a:fld id="{2E2C077B-C732-49E5-B20E-05DE29246531}" type="datetimeFigureOut">
               <a:rPr lang="en-GB" smtClean="0"/>
-              <a:t>21/02/2024</a:t>
+              <a:t>12/03/2024</a:t>
             </a:fld>
             <a:endParaRPr lang="en-GB"/>
           </a:p>
@@ -10984,7 +10984,7 @@
             <a:fld id="{4E7804AF-371E-45A8-85BB-86F3B0F6B3A3}" type="datetimeFigureOut">
               <a:rPr lang="en-GB" smtClean="0"/>
               <a:pPr/>
-              <a:t>21/02/2024</a:t>
+              <a:t>12/03/2024</a:t>
             </a:fld>
             <a:endParaRPr lang="en-GB" dirty="0"/>
           </a:p>
@@ -20272,34 +20272,43 @@
                 <a:latin typeface="Times New Roman" panose="02020603050405020304" pitchFamily="18" charset="0"/>
                 <a:ea typeface="+mj-ea"/>
                 <a:cs typeface="Times New Roman" panose="02020603050405020304" pitchFamily="18" charset="0"/>
-                <a:hlinkClick r:id="rId3"/>
-              </a:rPr>
-              <a:t>https://github.com/EconomicsObservatory/courses</a:t>
-            </a:r>
-            <a:r>
-              <a:rPr lang="en-GB" sz="3600" i="1" dirty="0">
+              </a:rPr>
+              <a:t>https://</a:t>
+            </a:r>
+            <a:r>
+              <a:rPr kumimoji="0" lang="en-GB" sz="3600" b="0" i="1" u="none" strike="noStrike" kern="1200" cap="none" spc="0" normalizeH="0" baseline="0" noProof="0" dirty="0" err="1">
+                <a:ln>
+                  <a:noFill/>
+                </a:ln>
                 <a:solidFill>
                   <a:srgbClr val="F4C245"/>
                 </a:solidFill>
+                <a:effectLst/>
+                <a:uLnTx/>
+                <a:uFillTx/>
                 <a:latin typeface="Times New Roman" panose="02020603050405020304" pitchFamily="18" charset="0"/>
+                <a:ea typeface="+mj-ea"/>
                 <a:cs typeface="Times New Roman" panose="02020603050405020304" pitchFamily="18" charset="0"/>
               </a:rPr>
-              <a:t> </a:t>
-            </a:r>
-            <a:endParaRPr kumimoji="0" lang="en-GB" sz="6000" b="0" i="1" u="none" strike="noStrike" kern="1200" cap="none" spc="0" normalizeH="0" baseline="0" noProof="0" dirty="0">
-              <a:ln>
-                <a:noFill/>
-              </a:ln>
-              <a:solidFill>
-                <a:srgbClr val="F4C245"/>
-              </a:solidFill>
-              <a:effectLst/>
-              <a:uLnTx/>
-              <a:uFillTx/>
-              <a:latin typeface="Times New Roman" panose="02020603050405020304" pitchFamily="18" charset="0"/>
-              <a:ea typeface="+mj-ea"/>
-              <a:cs typeface="Times New Roman" panose="02020603050405020304" pitchFamily="18" charset="0"/>
-            </a:endParaRPr>
+              <a:t>economicsobservatory.com</a:t>
+            </a:r>
+            <a:r>
+              <a:rPr kumimoji="0" lang="en-GB" sz="3600" b="0" i="1" u="none" strike="noStrike" kern="1200" cap="none" spc="0" normalizeH="0" baseline="0" noProof="0" dirty="0">
+                <a:ln>
+                  <a:noFill/>
+                </a:ln>
+                <a:solidFill>
+                  <a:srgbClr val="F4C245"/>
+                </a:solidFill>
+                <a:effectLst/>
+                <a:uLnTx/>
+                <a:uFillTx/>
+                <a:latin typeface="Times New Roman" panose="02020603050405020304" pitchFamily="18" charset="0"/>
+                <a:ea typeface="+mj-ea"/>
+                <a:cs typeface="Times New Roman" panose="02020603050405020304" pitchFamily="18" charset="0"/>
+              </a:rPr>
+              <a:t>/modern-data-visualisation</a:t>
+            </a:r>
           </a:p>
         </p:txBody>
       </p:sp>
